--- a/docs/meetings/20211121_D2_Gelati.pptx
+++ b/docs/meetings/20211121_D2_Gelati.pptx
@@ -5,7 +5,7 @@
     <p:sldMasterId id="2147483648" r:id="rId1"/>
   </p:sldMasterIdLst>
   <p:notesMasterIdLst>
-    <p:notesMasterId r:id="rId15"/>
+    <p:notesMasterId r:id="rId16"/>
   </p:notesMasterIdLst>
   <p:sldIdLst>
     <p:sldId id="256" r:id="rId2"/>
@@ -21,6 +21,7 @@
     <p:sldId id="268" r:id="rId12"/>
     <p:sldId id="274" r:id="rId13"/>
     <p:sldId id="275" r:id="rId14"/>
+    <p:sldId id="278" r:id="rId15"/>
   </p:sldIdLst>
   <p:sldSz cx="12192000" cy="6858000"/>
   <p:notesSz cx="6858000" cy="9144000"/>
@@ -120,6 +121,48 @@
     </a:lvl9pPr>
   </p:defaultTextStyle>
   <p:extLst>
+    <p:ext uri="{521415D9-36F7-43E2-AB2F-B90AF26B5E84}">
+      <p14:sectionLst xmlns:p14="http://schemas.microsoft.com/office/powerpoint/2010/main">
+        <p14:section name="Default Section" id="{695CFE1B-B890-4AE2-B144-3F68C1BDBB8D}">
+          <p14:sldIdLst>
+            <p14:sldId id="256"/>
+          </p14:sldIdLst>
+        </p14:section>
+        <p14:section name="Data" id="{521BDB2D-7FB7-4E45-AF6A-713FC813F434}">
+          <p14:sldIdLst>
+            <p14:sldId id="276"/>
+            <p14:sldId id="272"/>
+          </p14:sldIdLst>
+        </p14:section>
+        <p14:section name="Current: performance" id="{EF40F5D1-14EC-4930-A7EE-A066662F1F0A}">
+          <p14:sldIdLst>
+            <p14:sldId id="265"/>
+            <p14:sldId id="277"/>
+            <p14:sldId id="262"/>
+          </p14:sldIdLst>
+        </p14:section>
+        <p14:section name="Current: calibration" id="{B9F2A7A8-A684-4E4A-A967-CE353D9DCEE8}">
+          <p14:sldIdLst>
+            <p14:sldId id="266"/>
+            <p14:sldId id="273"/>
+            <p14:sldId id="271"/>
+          </p14:sldIdLst>
+        </p14:section>
+        <p14:section name="Hanazaki" id="{F54CC89A-90C5-47B5-A669-415458C89C4C}">
+          <p14:sldIdLst>
+            <p14:sldId id="267"/>
+            <p14:sldId id="268"/>
+          </p14:sldIdLst>
+        </p14:section>
+        <p14:section name="Other approaches" id="{02B119F9-55AE-4800-A8C1-DACEDEB06D79}">
+          <p14:sldIdLst>
+            <p14:sldId id="274"/>
+            <p14:sldId id="275"/>
+            <p14:sldId id="278"/>
+          </p14:sldIdLst>
+        </p14:section>
+      </p14:sectionLst>
+    </p:ext>
     <p:ext uri="{EFAFB233-063F-42B5-8137-9DF3F51BA10A}">
       <p15:sldGuideLst xmlns:p15="http://schemas.microsoft.com/office/powerpoint/2012/main"/>
     </p:ext>
@@ -209,7 +252,7 @@
           <a:p>
             <a:fld id="{778CBE4C-FBF5-4D9C-94FB-530A34F84ECE}" type="datetimeFigureOut">
               <a:rPr lang="en-US" smtClean="0"/>
-              <a:t>2023-11-21</a:t>
+              <a:t>2023-11-22</a:t>
             </a:fld>
             <a:endParaRPr lang="en-US"/>
           </a:p>
@@ -707,7 +750,7 @@
           <a:p>
             <a:fld id="{1EBC2BDA-185B-41CE-B7A8-F4FFE041D0D6}" type="datetimeFigureOut">
               <a:rPr lang="en-US" smtClean="0"/>
-              <a:t>2023-11-21</a:t>
+              <a:t>2023-11-22</a:t>
             </a:fld>
             <a:endParaRPr lang="en-US"/>
           </a:p>
@@ -905,7 +948,7 @@
           <a:p>
             <a:fld id="{1EBC2BDA-185B-41CE-B7A8-F4FFE041D0D6}" type="datetimeFigureOut">
               <a:rPr lang="en-US" smtClean="0"/>
-              <a:t>2023-11-21</a:t>
+              <a:t>2023-11-22</a:t>
             </a:fld>
             <a:endParaRPr lang="en-US"/>
           </a:p>
@@ -1113,7 +1156,7 @@
           <a:p>
             <a:fld id="{1EBC2BDA-185B-41CE-B7A8-F4FFE041D0D6}" type="datetimeFigureOut">
               <a:rPr lang="en-US" smtClean="0"/>
-              <a:t>2023-11-21</a:t>
+              <a:t>2023-11-22</a:t>
             </a:fld>
             <a:endParaRPr lang="en-US"/>
           </a:p>
@@ -1311,7 +1354,7 @@
           <a:p>
             <a:fld id="{1EBC2BDA-185B-41CE-B7A8-F4FFE041D0D6}" type="datetimeFigureOut">
               <a:rPr lang="en-US" smtClean="0"/>
-              <a:t>2023-11-21</a:t>
+              <a:t>2023-11-22</a:t>
             </a:fld>
             <a:endParaRPr lang="en-US"/>
           </a:p>
@@ -1586,7 +1629,7 @@
           <a:p>
             <a:fld id="{1EBC2BDA-185B-41CE-B7A8-F4FFE041D0D6}" type="datetimeFigureOut">
               <a:rPr lang="en-US" smtClean="0"/>
-              <a:t>2023-11-21</a:t>
+              <a:t>2023-11-22</a:t>
             </a:fld>
             <a:endParaRPr lang="en-US"/>
           </a:p>
@@ -1851,7 +1894,7 @@
           <a:p>
             <a:fld id="{1EBC2BDA-185B-41CE-B7A8-F4FFE041D0D6}" type="datetimeFigureOut">
               <a:rPr lang="en-US" smtClean="0"/>
-              <a:t>2023-11-21</a:t>
+              <a:t>2023-11-22</a:t>
             </a:fld>
             <a:endParaRPr lang="en-US"/>
           </a:p>
@@ -2263,7 +2306,7 @@
           <a:p>
             <a:fld id="{1EBC2BDA-185B-41CE-B7A8-F4FFE041D0D6}" type="datetimeFigureOut">
               <a:rPr lang="en-US" smtClean="0"/>
-              <a:t>2023-11-21</a:t>
+              <a:t>2023-11-22</a:t>
             </a:fld>
             <a:endParaRPr lang="en-US"/>
           </a:p>
@@ -2404,7 +2447,7 @@
           <a:p>
             <a:fld id="{1EBC2BDA-185B-41CE-B7A8-F4FFE041D0D6}" type="datetimeFigureOut">
               <a:rPr lang="en-US" smtClean="0"/>
-              <a:t>2023-11-21</a:t>
+              <a:t>2023-11-22</a:t>
             </a:fld>
             <a:endParaRPr lang="en-US"/>
           </a:p>
@@ -2517,7 +2560,7 @@
           <a:p>
             <a:fld id="{1EBC2BDA-185B-41CE-B7A8-F4FFE041D0D6}" type="datetimeFigureOut">
               <a:rPr lang="en-US" smtClean="0"/>
-              <a:t>2023-11-21</a:t>
+              <a:t>2023-11-22</a:t>
             </a:fld>
             <a:endParaRPr lang="en-US"/>
           </a:p>
@@ -2828,7 +2871,7 @@
           <a:p>
             <a:fld id="{1EBC2BDA-185B-41CE-B7A8-F4FFE041D0D6}" type="datetimeFigureOut">
               <a:rPr lang="en-US" smtClean="0"/>
-              <a:t>2023-11-21</a:t>
+              <a:t>2023-11-22</a:t>
             </a:fld>
             <a:endParaRPr lang="en-US"/>
           </a:p>
@@ -3116,7 +3159,7 @@
           <a:p>
             <a:fld id="{1EBC2BDA-185B-41CE-B7A8-F4FFE041D0D6}" type="datetimeFigureOut">
               <a:rPr lang="en-US" smtClean="0"/>
-              <a:t>2023-11-21</a:t>
+              <a:t>2023-11-22</a:t>
             </a:fld>
             <a:endParaRPr lang="en-US"/>
           </a:p>
@@ -3357,7 +3400,7 @@
           <a:p>
             <a:fld id="{1EBC2BDA-185B-41CE-B7A8-F4FFE041D0D6}" type="datetimeFigureOut">
               <a:rPr lang="en-US" smtClean="0"/>
-              <a:t>2023-11-21</a:t>
+              <a:t>2023-11-22</a:t>
             </a:fld>
             <a:endParaRPr lang="en-US"/>
           </a:p>
@@ -3933,7 +3976,7 @@
         </p:nvSpPr>
         <p:spPr>
           <a:xfrm>
-            <a:off x="1057055" y="5848169"/>
+            <a:off x="1057055" y="5630442"/>
             <a:ext cx="2862028" cy="584775"/>
           </a:xfrm>
           <a:prstGeom prst="rect">
@@ -3994,7 +4037,7 @@
         </p:nvSpPr>
         <p:spPr>
           <a:xfrm>
-            <a:off x="0" y="1001721"/>
+            <a:off x="139341" y="1001721"/>
             <a:ext cx="3887553" cy="1803699"/>
           </a:xfrm>
           <a:prstGeom prst="rect">
@@ -4141,7 +4184,7 @@
         </p:blipFill>
         <p:spPr>
           <a:xfrm>
-            <a:off x="136525" y="5580759"/>
+            <a:off x="136525" y="5363032"/>
             <a:ext cx="752476" cy="772147"/>
           </a:xfrm>
           <a:prstGeom prst="rect">
@@ -4177,7 +4220,7 @@
         </p:blipFill>
         <p:spPr>
           <a:xfrm>
-            <a:off x="0" y="6352906"/>
+            <a:off x="0" y="6135179"/>
             <a:ext cx="1025525" cy="400050"/>
           </a:xfrm>
           <a:prstGeom prst="rect">
@@ -6228,7 +6271,7 @@
         <p:spPr>
           <a:xfrm>
             <a:off x="8158366" y="2796519"/>
-            <a:ext cx="3713713" cy="1477328"/>
+            <a:ext cx="4005926" cy="1200329"/>
           </a:xfrm>
           <a:prstGeom prst="rect">
             <a:avLst/>
@@ -9918,6 +9961,273 @@
 </p:sld>
 </file>
 
+<file path=ppt/slides/slide14.xml><?xml version="1.0" encoding="utf-8"?>
+<p:sld xmlns:a="http://schemas.openxmlformats.org/drawingml/2006/main" xmlns:r="http://schemas.openxmlformats.org/officeDocument/2006/relationships" xmlns:p="http://schemas.openxmlformats.org/presentationml/2006/main">
+  <p:cSld>
+    <p:spTree>
+      <p:nvGrpSpPr>
+        <p:cNvPr id="1" name=""/>
+        <p:cNvGrpSpPr/>
+        <p:nvPr/>
+      </p:nvGrpSpPr>
+      <p:grpSpPr>
+        <a:xfrm>
+          <a:off x="0" y="0"/>
+          <a:ext cx="0" cy="0"/>
+          <a:chOff x="0" y="0"/>
+          <a:chExt cx="0" cy="0"/>
+        </a:xfrm>
+      </p:grpSpPr>
+      <p:sp>
+        <p:nvSpPr>
+          <p:cNvPr id="8" name="Rectangle 7">
+            <a:extLst>
+              <a:ext uri="{FF2B5EF4-FFF2-40B4-BE49-F238E27FC236}">
+                <a16:creationId xmlns:a16="http://schemas.microsoft.com/office/drawing/2014/main" id="{208363CA-9485-4F0B-8A22-B4A1131AC596}"/>
+              </a:ext>
+            </a:extLst>
+          </p:cNvPr>
+          <p:cNvSpPr/>
+          <p:nvPr/>
+        </p:nvSpPr>
+        <p:spPr>
+          <a:xfrm>
+            <a:off x="0" y="0"/>
+            <a:ext cx="4181839" cy="6858000"/>
+          </a:xfrm>
+          <a:prstGeom prst="rect">
+            <a:avLst/>
+          </a:prstGeom>
+          <a:solidFill>
+            <a:srgbClr val="C55A11">
+              <a:alpha val="50196"/>
+            </a:srgbClr>
+          </a:solidFill>
+          <a:ln>
+            <a:noFill/>
+          </a:ln>
+        </p:spPr>
+        <p:style>
+          <a:lnRef idx="2">
+            <a:schemeClr val="accent1">
+              <a:shade val="50000"/>
+            </a:schemeClr>
+          </a:lnRef>
+          <a:fillRef idx="1">
+            <a:schemeClr val="accent1"/>
+          </a:fillRef>
+          <a:effectRef idx="0">
+            <a:schemeClr val="accent1"/>
+          </a:effectRef>
+          <a:fontRef idx="minor">
+            <a:schemeClr val="lt1"/>
+          </a:fontRef>
+        </p:style>
+        <p:txBody>
+          <a:bodyPr rtlCol="0" anchor="ctr"/>
+          <a:lstStyle/>
+          <a:p>
+            <a:pPr algn="ctr"/>
+            <a:endParaRPr lang="en-US"/>
+          </a:p>
+        </p:txBody>
+      </p:sp>
+      <p:pic>
+        <p:nvPicPr>
+          <p:cNvPr id="3" name="Picture 2">
+            <a:extLst>
+              <a:ext uri="{FF2B5EF4-FFF2-40B4-BE49-F238E27FC236}">
+                <a16:creationId xmlns:a16="http://schemas.microsoft.com/office/drawing/2014/main" id="{3117A706-0267-48A7-B2A6-65E645775336}"/>
+              </a:ext>
+            </a:extLst>
+          </p:cNvPr>
+          <p:cNvPicPr>
+            <a:picLocks noChangeAspect="1"/>
+          </p:cNvPicPr>
+          <p:nvPr/>
+        </p:nvPicPr>
+        <p:blipFill rotWithShape="1">
+          <a:blip r:embed="rId2">
+            <a:duotone>
+              <a:schemeClr val="accent2">
+                <a:shade val="45000"/>
+                <a:satMod val="135000"/>
+              </a:schemeClr>
+              <a:prstClr val="white"/>
+            </a:duotone>
+            <a:extLst>
+              <a:ext uri="{BEBA8EAE-BF5A-486C-A8C5-ECC9F3942E4B}">
+                <a14:imgProps xmlns:a14="http://schemas.microsoft.com/office/drawing/2010/main">
+                  <a14:imgLayer r:embed="rId3">
+                    <a14:imgEffect>
+                      <a14:saturation sat="0"/>
+                    </a14:imgEffect>
+                  </a14:imgLayer>
+                </a14:imgProps>
+              </a:ext>
+              <a:ext uri="{28A0092B-C50C-407E-A947-70E740481C1C}">
+                <a14:useLocalDpi xmlns:a14="http://schemas.microsoft.com/office/drawing/2010/main" val="0"/>
+              </a:ext>
+            </a:extLst>
+          </a:blip>
+          <a:srcRect r="3629"/>
+          <a:stretch/>
+        </p:blipFill>
+        <p:spPr>
+          <a:xfrm>
+            <a:off x="4181839" y="0"/>
+            <a:ext cx="7999647" cy="6858000"/>
+          </a:xfrm>
+          <a:prstGeom prst="rect">
+            <a:avLst/>
+          </a:prstGeom>
+        </p:spPr>
+      </p:pic>
+      <p:sp>
+        <p:nvSpPr>
+          <p:cNvPr id="4" name="TextBox 3">
+            <a:extLst>
+              <a:ext uri="{FF2B5EF4-FFF2-40B4-BE49-F238E27FC236}">
+                <a16:creationId xmlns:a16="http://schemas.microsoft.com/office/drawing/2014/main" id="{A80983C1-323B-42AC-BA36-E9C3BD6370EB}"/>
+              </a:ext>
+            </a:extLst>
+          </p:cNvPr>
+          <p:cNvSpPr txBox="1"/>
+          <p:nvPr/>
+        </p:nvSpPr>
+        <p:spPr>
+          <a:xfrm>
+            <a:off x="0" y="2987130"/>
+            <a:ext cx="3887553" cy="584775"/>
+          </a:xfrm>
+          <a:prstGeom prst="rect">
+            <a:avLst/>
+          </a:prstGeom>
+          <a:noFill/>
+        </p:spPr>
+        <p:txBody>
+          <a:bodyPr wrap="square" rIns="0" rtlCol="0">
+            <a:spAutoFit/>
+          </a:bodyPr>
+          <a:lstStyle/>
+          <a:p>
+            <a:r>
+              <a:rPr lang="en-US" sz="3200" dirty="0">
+                <a:solidFill>
+                  <a:schemeClr val="bg1"/>
+                </a:solidFill>
+                <a:latin typeface="+mj-lt"/>
+              </a:rPr>
+              <a:t>Thank you</a:t>
+            </a:r>
+          </a:p>
+        </p:txBody>
+      </p:sp>
+      <p:sp>
+        <p:nvSpPr>
+          <p:cNvPr id="11" name="TextBox 10">
+            <a:extLst>
+              <a:ext uri="{FF2B5EF4-FFF2-40B4-BE49-F238E27FC236}">
+                <a16:creationId xmlns:a16="http://schemas.microsoft.com/office/drawing/2014/main" id="{19924E7F-FD1F-45FB-9543-E7D94B6BA009}"/>
+              </a:ext>
+            </a:extLst>
+          </p:cNvPr>
+          <p:cNvSpPr txBox="1"/>
+          <p:nvPr/>
+        </p:nvSpPr>
+        <p:spPr>
+          <a:xfrm>
+            <a:off x="562990" y="6317072"/>
+            <a:ext cx="3618849" cy="338554"/>
+          </a:xfrm>
+          <a:prstGeom prst="rect">
+            <a:avLst/>
+          </a:prstGeom>
+          <a:noFill/>
+          <a:effectLst/>
+        </p:spPr>
+        <p:txBody>
+          <a:bodyPr wrap="square" rtlCol="0">
+            <a:spAutoFit/>
+          </a:bodyPr>
+          <a:lstStyle/>
+          <a:p>
+            <a:r>
+              <a:rPr lang="es-ES" sz="1600" spc="-150" dirty="0">
+                <a:solidFill>
+                  <a:schemeClr val="bg1"/>
+                </a:solidFill>
+                <a:latin typeface="+mj-lt"/>
+              </a:rPr>
+              <a:t>github.com/casadoj/</a:t>
+            </a:r>
+            <a:r>
+              <a:rPr lang="es-ES" sz="1600" spc="-150" dirty="0" err="1">
+                <a:solidFill>
+                  <a:schemeClr val="bg1"/>
+                </a:solidFill>
+                <a:latin typeface="+mj-lt"/>
+              </a:rPr>
+              <a:t>LF_water_bodies</a:t>
+            </a:r>
+            <a:endParaRPr lang="en-US" sz="1600" spc="-150" dirty="0">
+              <a:solidFill>
+                <a:schemeClr val="bg1"/>
+              </a:solidFill>
+              <a:latin typeface="+mj-lt"/>
+            </a:endParaRPr>
+          </a:p>
+        </p:txBody>
+      </p:sp>
+      <p:pic>
+        <p:nvPicPr>
+          <p:cNvPr id="6" name="Picture 5">
+            <a:extLst>
+              <a:ext uri="{FF2B5EF4-FFF2-40B4-BE49-F238E27FC236}">
+                <a16:creationId xmlns:a16="http://schemas.microsoft.com/office/drawing/2014/main" id="{46E84225-42A4-4949-B991-BCB331D22E7C}"/>
+              </a:ext>
+            </a:extLst>
+          </p:cNvPr>
+          <p:cNvPicPr>
+            <a:picLocks noChangeAspect="1"/>
+          </p:cNvPicPr>
+          <p:nvPr/>
+        </p:nvPicPr>
+        <p:blipFill>
+          <a:blip r:embed="rId4">
+            <a:extLst>
+              <a:ext uri="{28A0092B-C50C-407E-A947-70E740481C1C}">
+                <a14:useLocalDpi xmlns:a14="http://schemas.microsoft.com/office/drawing/2010/main" val="0"/>
+              </a:ext>
+            </a:extLst>
+          </a:blip>
+          <a:stretch>
+            <a:fillRect/>
+          </a:stretch>
+        </p:blipFill>
+        <p:spPr>
+          <a:xfrm>
+            <a:off x="199553" y="6306349"/>
+            <a:ext cx="369079" cy="360000"/>
+          </a:xfrm>
+          <a:prstGeom prst="rect">
+            <a:avLst/>
+          </a:prstGeom>
+        </p:spPr>
+      </p:pic>
+    </p:spTree>
+    <p:extLst>
+      <p:ext uri="{BB962C8B-B14F-4D97-AF65-F5344CB8AC3E}">
+        <p14:creationId xmlns:p14="http://schemas.microsoft.com/office/powerpoint/2010/main" val="739428072"/>
+      </p:ext>
+    </p:extLst>
+  </p:cSld>
+  <p:clrMapOvr>
+    <a:masterClrMapping/>
+  </p:clrMapOvr>
+</p:sld>
+</file>
+
 <file path=ppt/slides/slide2.xml><?xml version="1.0" encoding="utf-8"?>
 <p:sld xmlns:a="http://schemas.openxmlformats.org/drawingml/2006/main" xmlns:r="http://schemas.openxmlformats.org/officeDocument/2006/relationships" xmlns:p="http://schemas.openxmlformats.org/presentationml/2006/main">
   <p:cSld>
@@ -10237,6 +10547,50 @@
               </a:rPr>
               <a:t>D2 will get the ICOLD data set</a:t>
             </a:r>
+          </a:p>
+        </p:txBody>
+      </p:sp>
+      <p:sp>
+        <p:nvSpPr>
+          <p:cNvPr id="8" name="Slide Number Placeholder 4">
+            <a:extLst>
+              <a:ext uri="{FF2B5EF4-FFF2-40B4-BE49-F238E27FC236}">
+                <a16:creationId xmlns:a16="http://schemas.microsoft.com/office/drawing/2014/main" id="{A3719A35-6007-4EE3-A085-C8F7B0FF0333}"/>
+              </a:ext>
+            </a:extLst>
+          </p:cNvPr>
+          <p:cNvSpPr>
+            <a:spLocks noGrp="1"/>
+          </p:cNvSpPr>
+          <p:nvPr>
+            <p:ph type="sldNum" sz="quarter" idx="12"/>
+          </p:nvPr>
+        </p:nvSpPr>
+        <p:spPr>
+          <a:xfrm>
+            <a:off x="11794641" y="6467452"/>
+            <a:ext cx="369651" cy="365125"/>
+          </a:xfrm>
+        </p:spPr>
+        <p:txBody>
+          <a:bodyPr/>
+          <a:lstStyle/>
+          <a:p>
+            <a:fld id="{E7872BEF-DB94-6840-8AB0-1579DB081167}" type="slidenum">
+              <a:rPr lang="en-GB" sz="1400" smtClean="0">
+                <a:solidFill>
+                  <a:schemeClr val="bg1"/>
+                </a:solidFill>
+                <a:latin typeface="+mj-lt"/>
+              </a:rPr>
+              <a:t>2</a:t>
+            </a:fld>
+            <a:endParaRPr lang="en-GB" sz="1400" dirty="0">
+              <a:solidFill>
+                <a:schemeClr val="bg1"/>
+              </a:solidFill>
+              <a:latin typeface="+mj-lt"/>
+            </a:endParaRPr>
           </a:p>
         </p:txBody>
       </p:sp>
@@ -10984,7 +11338,19 @@
               <a:rPr lang="es-ES" sz="1600" dirty="0">
                 <a:latin typeface="+mj-lt"/>
               </a:rPr>
-              <a:t>EFAS Data </a:t>
+              <a:t>EFAS </a:t>
+            </a:r>
+            <a:r>
+              <a:rPr lang="es-ES" sz="1600" dirty="0" err="1">
+                <a:latin typeface="+mj-lt"/>
+              </a:rPr>
+              <a:t>Hydrological</a:t>
+            </a:r>
+            <a:r>
+              <a:rPr lang="es-ES" sz="1600" dirty="0">
+                <a:latin typeface="+mj-lt"/>
+              </a:rPr>
+              <a:t> Data </a:t>
             </a:r>
             <a:r>
               <a:rPr lang="es-ES" sz="1600" dirty="0" err="1">
@@ -10996,7 +11362,13 @@
               <a:rPr lang="es-ES" sz="1600" dirty="0">
                 <a:latin typeface="+mj-lt"/>
               </a:rPr>
-              <a:t> Centre</a:t>
+              <a:t> Centre: </a:t>
+            </a:r>
+            <a:r>
+              <a:rPr lang="es-ES" sz="1600" dirty="0" err="1">
+                <a:latin typeface="+mj-lt"/>
+              </a:rPr>
+              <a:t>Sava</a:t>
             </a:r>
             <a:endParaRPr lang="en-US" sz="1600" dirty="0">
               <a:latin typeface="+mj-lt"/>
@@ -22057,8 +22429,8 @@
         </p:nvSpPr>
         <p:spPr>
           <a:xfrm>
-            <a:off x="2823942" y="5281406"/>
-            <a:ext cx="5611398" cy="646331"/>
+            <a:off x="1701169" y="5281406"/>
+            <a:ext cx="8009522" cy="646331"/>
           </a:xfrm>
           <a:prstGeom prst="rect">
             <a:avLst/>
@@ -22094,8 +22466,52 @@
           <a:p>
             <a:r>
               <a:rPr lang="en-US" dirty="0"/>
-              <a:t>Calibrating only storage gives surprisingly good results → global storage data sets from satellite data</a:t>
-            </a:r>
+              <a:t>Calibrating only storage gives surprisingly good results </a:t>
+            </a:r>
+            <a:br>
+              <a:rPr lang="en-US" dirty="0"/>
+            </a:br>
+            <a:r>
+              <a:rPr lang="en-US" dirty="0"/>
+              <a:t>→ global storage data sets from satellite data: </a:t>
+            </a:r>
+            <a:r>
+              <a:rPr lang="en-US" dirty="0">
+                <a:hlinkClick r:id="rId3"/>
+              </a:rPr>
+              <a:t>ReaLSAT</a:t>
+            </a:r>
+            <a:r>
+              <a:rPr lang="en-US" dirty="0"/>
+              <a:t>, </a:t>
+            </a:r>
+            <a:r>
+              <a:rPr lang="en-US" dirty="0">
+                <a:hlinkClick r:id="rId4"/>
+              </a:rPr>
+              <a:t>ReGeom</a:t>
+            </a:r>
+            <a:r>
+              <a:rPr lang="en-US" dirty="0"/>
+              <a:t>, </a:t>
+            </a:r>
+            <a:r>
+              <a:rPr lang="en-US" dirty="0">
+                <a:hlinkClick r:id="rId5"/>
+              </a:rPr>
+              <a:t>DAHITI</a:t>
+            </a:r>
+            <a:r>
+              <a:rPr lang="en-US" dirty="0"/>
+              <a:t>, </a:t>
+            </a:r>
+            <a:r>
+              <a:rPr lang="en-US" dirty="0">
+                <a:hlinkClick r:id="rId6"/>
+              </a:rPr>
+              <a:t>Res-CN</a:t>
+            </a:r>
+            <a:endParaRPr lang="en-US" dirty="0"/>
           </a:p>
         </p:txBody>
       </p:sp>
@@ -22272,7 +22688,7 @@
           <p:nvPr/>
         </p:nvPicPr>
         <p:blipFill>
-          <a:blip r:embed="rId3">
+          <a:blip r:embed="rId7">
             <a:extLst>
               <a:ext uri="{28A0092B-C50C-407E-A947-70E740481C1C}">
                 <a14:useLocalDpi xmlns:a14="http://schemas.microsoft.com/office/drawing/2010/main" val="0"/>

--- a/docs/meetings/20211121_D2_Gelati.pptx
+++ b/docs/meetings/20211121_D2_Gelati.pptx
@@ -3976,7 +3976,7 @@
         </p:nvSpPr>
         <p:spPr>
           <a:xfrm>
-            <a:off x="1057055" y="5630442"/>
+            <a:off x="1104406" y="5456717"/>
             <a:ext cx="2862028" cy="584775"/>
           </a:xfrm>
           <a:prstGeom prst="rect">
@@ -11193,7 +11193,7 @@
                 <a:latin typeface="+mj-lt"/>
                 <a:hlinkClick r:id="rId3"/>
               </a:rPr>
-              <a:t> </a:t>
+              <a:t> de </a:t>
             </a:r>
             <a:r>
               <a:rPr lang="en-US" sz="1600" dirty="0" err="1">
@@ -22429,8 +22429,8 @@
         </p:nvSpPr>
         <p:spPr>
           <a:xfrm>
-            <a:off x="1701169" y="5281406"/>
-            <a:ext cx="8009522" cy="646331"/>
+            <a:off x="1091572" y="5281406"/>
+            <a:ext cx="8888454" cy="646331"/>
           </a:xfrm>
           <a:prstGeom prst="rect">
             <a:avLst/>
@@ -22479,17 +22479,17 @@
               <a:rPr lang="en-US" dirty="0">
                 <a:hlinkClick r:id="rId3"/>
               </a:rPr>
-              <a:t>ReaLSAT</a:t>
+              <a:t>GRSAD</a:t>
             </a:r>
             <a:r>
               <a:rPr lang="en-US" dirty="0"/>
               <a:t>, </a:t>
             </a:r>
             <a:r>
-              <a:rPr lang="en-US" dirty="0">
+              <a:rPr lang="en-US" dirty="0" err="1">
                 <a:hlinkClick r:id="rId4"/>
               </a:rPr>
-              <a:t>ReGeom</a:t>
+              <a:t>ReaLSAT</a:t>
             </a:r>
             <a:r>
               <a:rPr lang="en-US" dirty="0"/>
@@ -22499,7 +22499,7 @@
               <a:rPr lang="en-US" dirty="0">
                 <a:hlinkClick r:id="rId5"/>
               </a:rPr>
-              <a:t>DAHITI</a:t>
+              <a:t>ReGeom</a:t>
             </a:r>
             <a:r>
               <a:rPr lang="en-US" dirty="0"/>
@@ -22508,6 +22508,16 @@
             <a:r>
               <a:rPr lang="en-US" dirty="0">
                 <a:hlinkClick r:id="rId6"/>
+              </a:rPr>
+              <a:t>DAHITI</a:t>
+            </a:r>
+            <a:r>
+              <a:rPr lang="en-US" dirty="0"/>
+              <a:t>, </a:t>
+            </a:r>
+            <a:r>
+              <a:rPr lang="en-US" dirty="0">
+                <a:hlinkClick r:id="rId7"/>
               </a:rPr>
               <a:t>Res-CN</a:t>
             </a:r>
@@ -22688,7 +22698,7 @@
           <p:nvPr/>
         </p:nvPicPr>
         <p:blipFill>
-          <a:blip r:embed="rId7">
+          <a:blip r:embed="rId8">
             <a:extLst>
               <a:ext uri="{28A0092B-C50C-407E-A947-70E740481C1C}">
                 <a14:useLocalDpi xmlns:a14="http://schemas.microsoft.com/office/drawing/2010/main" val="0"/>
